--- a/발표자료/7주차/자구설_7주차_V0.7.pptx
+++ b/발표자료/7주차/자구설_7주차_V0.7.pptx
@@ -4996,10 +4996,10 @@
       </p:sp>
       <p:pic>
         <p:nvPicPr>
-          <p:cNvPr id="15" name="그림 14">
+          <p:cNvPr id="17" name="그림 16">
             <a:extLst>
               <a:ext uri="{FF2B5EF4-FFF2-40B4-BE49-F238E27FC236}">
-                <a16:creationId xmlns:a16="http://schemas.microsoft.com/office/drawing/2014/main" id="{82C4FBF0-90A5-47EB-A36C-ED18BAC6A47D}"/>
+                <a16:creationId xmlns:a16="http://schemas.microsoft.com/office/drawing/2014/main" id="{EC1FAA91-30D7-4346-9F84-DC0A1AB4CAD4}"/>
               </a:ext>
             </a:extLst>
           </p:cNvPr>
@@ -5016,7 +5016,7 @@
         </p:blipFill>
         <p:spPr>
           <a:xfrm>
-            <a:off x="6399945" y="0"/>
+            <a:off x="6827059" y="24848"/>
             <a:ext cx="2837023" cy="6858000"/>
           </a:xfrm>
           <a:prstGeom prst="rect">
@@ -5068,7 +5068,7 @@
                                           </p:stCondLst>
                                         </p:cTn>
                                         <p:tgtEl>
-                                          <p:spTgt spid="15"/>
+                                          <p:spTgt spid="17"/>
                                         </p:tgtEl>
                                         <p:attrNameLst>
                                           <p:attrName>style.visibility</p:attrName>

--- a/발표자료/7주차/자구설_7주차_V0.7.pptx
+++ b/발표자료/7주차/자구설_7주차_V0.7.pptx
@@ -6125,10 +6125,10 @@
       </p:pic>
       <p:pic>
         <p:nvPicPr>
-          <p:cNvPr id="3" name="그림 2">
+          <p:cNvPr id="4" name="그림 3">
             <a:extLst>
               <a:ext uri="{FF2B5EF4-FFF2-40B4-BE49-F238E27FC236}">
-                <a16:creationId xmlns:a16="http://schemas.microsoft.com/office/drawing/2014/main" id="{08CE146E-62E3-43C1-875D-E3ABD2988D80}"/>
+                <a16:creationId xmlns:a16="http://schemas.microsoft.com/office/drawing/2014/main" id="{5F1F08ED-1A57-4632-8F3B-640D8E2EE979}"/>
               </a:ext>
             </a:extLst>
           </p:cNvPr>
@@ -6145,8 +6145,8 @@
         </p:blipFill>
         <p:spPr>
           <a:xfrm>
-            <a:off x="4514850" y="1619250"/>
-            <a:ext cx="7593899" cy="4800600"/>
+            <a:off x="4446741" y="1690086"/>
+            <a:ext cx="7648575" cy="3886200"/>
           </a:xfrm>
           <a:prstGeom prst="rect">
             <a:avLst/>
@@ -6215,18 +6215,7 @@
               <a:rPr lang="en-US" altLang="ko-KR" b="1" dirty="0">
                 <a:latin typeface="Arial Black" panose="020B0A04020102020204" pitchFamily="34" charset="0"/>
               </a:rPr>
-              <a:t>TESTING &amp;</a:t>
-            </a:r>
-            <a:br>
-              <a:rPr lang="en-US" altLang="ko-KR" b="1" dirty="0">
-                <a:latin typeface="Arial Black" panose="020B0A04020102020204" pitchFamily="34" charset="0"/>
-              </a:rPr>
-            </a:br>
-            <a:r>
-              <a:rPr lang="en-US" altLang="ko-KR" b="1" dirty="0">
-                <a:latin typeface="Arial Black" panose="020B0A04020102020204" pitchFamily="34" charset="0"/>
-              </a:rPr>
-              <a:t>EVALUATION</a:t>
+              <a:t>TESTING</a:t>
             </a:r>
             <a:endParaRPr lang="ko-KR" altLang="en-US" b="1" dirty="0">
               <a:latin typeface="Arial Black" panose="020B0A04020102020204" pitchFamily="34" charset="0"/>
@@ -6281,7 +6270,7 @@
         </p:nvSpPr>
         <p:spPr>
           <a:xfrm>
-            <a:off x="5100824" y="2286000"/>
+            <a:off x="5100824" y="2294878"/>
             <a:ext cx="6176776" cy="3581400"/>
           </a:xfrm>
         </p:spPr>
@@ -6300,7 +6289,11 @@
           <a:p>
             <a:r>
               <a:rPr lang="ko-KR" altLang="en-US" dirty="0"/>
-              <a:t>사용자가 입력한 노드는 노랑색</a:t>
+              <a:t>사용자가 입력한 노드는 </a:t>
+            </a:r>
+            <a:r>
+              <a:rPr lang="ko-KR" altLang="en-US" dirty="0" err="1"/>
+              <a:t>파랑색</a:t>
             </a:r>
             <a:endParaRPr lang="en-US" altLang="ko-KR" dirty="0"/>
           </a:p>
@@ -6402,18 +6395,7 @@
               <a:rPr lang="en-US" altLang="ko-KR" b="1" dirty="0">
                 <a:latin typeface="Arial Black" panose="020B0A04020102020204" pitchFamily="34" charset="0"/>
               </a:rPr>
-              <a:t>TESTING &amp;</a:t>
-            </a:r>
-            <a:br>
-              <a:rPr lang="en-US" altLang="ko-KR" b="1" dirty="0">
-                <a:latin typeface="Arial Black" panose="020B0A04020102020204" pitchFamily="34" charset="0"/>
-              </a:rPr>
-            </a:br>
-            <a:r>
-              <a:rPr lang="en-US" altLang="ko-KR" b="1" dirty="0">
-                <a:latin typeface="Arial Black" panose="020B0A04020102020204" pitchFamily="34" charset="0"/>
-              </a:rPr>
-              <a:t>EVALUATION</a:t>
+              <a:t>TESTING</a:t>
             </a:r>
             <a:endParaRPr lang="ko-KR" altLang="en-US" b="1" dirty="0">
               <a:latin typeface="Arial Black" panose="020B0A04020102020204" pitchFamily="34" charset="0"/>
@@ -6567,8 +6549,8 @@
         </p:nvSpPr>
         <p:spPr>
           <a:xfrm>
-            <a:off x="5100824" y="2286000"/>
-            <a:ext cx="6176776" cy="3581400"/>
+            <a:off x="5100824" y="1544715"/>
+            <a:ext cx="6176776" cy="5140169"/>
           </a:xfrm>
         </p:spPr>
         <p:txBody>
@@ -6640,6 +6622,49 @@
             <a:r>
               <a:rPr lang="ko-KR" altLang="en-US" i="0" dirty="0"/>
               <a:t>데이터 변동의 문제</a:t>
+            </a:r>
+            <a:endParaRPr lang="en-US" altLang="ko-KR" i="0" dirty="0"/>
+          </a:p>
+          <a:p>
+            <a:r>
+              <a:rPr lang="ko-KR" altLang="en-US" i="0" dirty="0"/>
+              <a:t>설계의 변경</a:t>
+            </a:r>
+            <a:endParaRPr lang="en-US" altLang="ko-KR" i="0" dirty="0"/>
+          </a:p>
+          <a:p>
+            <a:pPr lvl="1"/>
+            <a:r>
+              <a:rPr lang="en-US" altLang="ko-KR" i="0" dirty="0"/>
+              <a:t>API </a:t>
+            </a:r>
+            <a:r>
+              <a:rPr lang="ko-KR" altLang="en-US" i="0" dirty="0"/>
+              <a:t>및 데이터의 문제</a:t>
+            </a:r>
+            <a:endParaRPr lang="en-US" altLang="ko-KR" i="0" dirty="0"/>
+          </a:p>
+          <a:p>
+            <a:pPr lvl="1"/>
+            <a:r>
+              <a:rPr lang="ko-KR" altLang="en-US" i="0" dirty="0"/>
+              <a:t>문제점 발견</a:t>
+            </a:r>
+            <a:r>
+              <a:rPr lang="en-US" altLang="ko-KR" i="0" dirty="0"/>
+              <a:t>, </a:t>
+            </a:r>
+            <a:r>
+              <a:rPr lang="ko-KR" altLang="en-US" i="0" dirty="0"/>
+              <a:t>설계 변경</a:t>
+            </a:r>
+            <a:r>
+              <a:rPr lang="en-US" altLang="ko-KR" i="0" dirty="0"/>
+              <a:t>, </a:t>
+            </a:r>
+            <a:r>
+              <a:rPr lang="ko-KR" altLang="en-US" i="0" dirty="0"/>
+              <a:t>코드 변경 이라는 번거로운 작업 다수 존재</a:t>
             </a:r>
             <a:endParaRPr lang="en-US" altLang="ko-KR" i="0" dirty="0"/>
           </a:p>

--- a/발표자료/7주차/자구설_7주차_V0.7.pptx
+++ b/발표자료/7주차/자구설_7주차_V0.7.pptx
@@ -291,7 +291,7 @@
             <a:fld id="{87DE6118-2437-4B30-8E3C-4D2BE6020583}" type="datetimeFigureOut">
               <a:rPr lang="en-US" dirty="0"/>
               <a:pPr/>
-              <a:t>10/15/2018</a:t>
+              <a:t>10/17/2018</a:t>
             </a:fld>
             <a:endParaRPr lang="en-US" dirty="0"/>
           </a:p>
@@ -617,7 +617,7 @@
           <a:p>
             <a:fld id="{87DE6118-2437-4B30-8E3C-4D2BE6020583}" type="datetimeFigureOut">
               <a:rPr lang="en-US" dirty="0"/>
-              <a:t>10/15/2018</a:t>
+              <a:t>10/17/2018</a:t>
             </a:fld>
             <a:endParaRPr lang="en-US" dirty="0"/>
           </a:p>
@@ -792,7 +792,7 @@
           <a:p>
             <a:fld id="{87DE6118-2437-4B30-8E3C-4D2BE6020583}" type="datetimeFigureOut">
               <a:rPr lang="en-US" dirty="0"/>
-              <a:t>10/15/2018</a:t>
+              <a:t>10/17/2018</a:t>
             </a:fld>
             <a:endParaRPr lang="en-US" dirty="0"/>
           </a:p>
@@ -957,7 +957,7 @@
           <a:p>
             <a:fld id="{87DE6118-2437-4B30-8E3C-4D2BE6020583}" type="datetimeFigureOut">
               <a:rPr lang="en-US" dirty="0"/>
-              <a:t>10/15/2018</a:t>
+              <a:t>10/17/2018</a:t>
             </a:fld>
             <a:endParaRPr lang="en-US" dirty="0"/>
           </a:p>
@@ -1230,7 +1230,7 @@
             <a:fld id="{87DE6118-2437-4B30-8E3C-4D2BE6020583}" type="datetimeFigureOut">
               <a:rPr lang="en-US" dirty="0"/>
               <a:pPr/>
-              <a:t>10/15/2018</a:t>
+              <a:t>10/17/2018</a:t>
             </a:fld>
             <a:endParaRPr lang="en-US" dirty="0"/>
           </a:p>
@@ -1620,7 +1620,7 @@
           <a:p>
             <a:fld id="{87DE6118-2437-4B30-8E3C-4D2BE6020583}" type="datetimeFigureOut">
               <a:rPr lang="en-US" dirty="0"/>
-              <a:t>10/15/2018</a:t>
+              <a:t>10/17/2018</a:t>
             </a:fld>
             <a:endParaRPr lang="en-US" dirty="0"/>
           </a:p>
@@ -2092,7 +2092,7 @@
           <a:p>
             <a:fld id="{87DE6118-2437-4B30-8E3C-4D2BE6020583}" type="datetimeFigureOut">
               <a:rPr lang="en-US" dirty="0"/>
-              <a:t>10/15/2018</a:t>
+              <a:t>10/17/2018</a:t>
             </a:fld>
             <a:endParaRPr lang="en-US" dirty="0"/>
           </a:p>
@@ -2205,7 +2205,7 @@
           <a:p>
             <a:fld id="{87DE6118-2437-4B30-8E3C-4D2BE6020583}" type="datetimeFigureOut">
               <a:rPr lang="en-US" dirty="0"/>
-              <a:t>10/15/2018</a:t>
+              <a:t>10/17/2018</a:t>
             </a:fld>
             <a:endParaRPr lang="en-US" dirty="0"/>
           </a:p>
@@ -2295,7 +2295,7 @@
           <a:p>
             <a:fld id="{87DE6118-2437-4B30-8E3C-4D2BE6020583}" type="datetimeFigureOut">
               <a:rPr lang="en-US" dirty="0"/>
-              <a:t>10/15/2018</a:t>
+              <a:t>10/17/2018</a:t>
             </a:fld>
             <a:endParaRPr lang="en-US" dirty="0"/>
           </a:p>
@@ -2637,7 +2637,7 @@
             <a:fld id="{87DE6118-2437-4B30-8E3C-4D2BE6020583}" type="datetimeFigureOut">
               <a:rPr lang="en-US" dirty="0"/>
               <a:pPr/>
-              <a:t>10/15/2018</a:t>
+              <a:t>10/17/2018</a:t>
             </a:fld>
             <a:endParaRPr lang="en-US" dirty="0"/>
           </a:p>
@@ -3022,7 +3022,7 @@
             <a:fld id="{87DE6118-2437-4B30-8E3C-4D2BE6020583}" type="datetimeFigureOut">
               <a:rPr lang="en-US" dirty="0"/>
               <a:pPr/>
-              <a:t>10/15/2018</a:t>
+              <a:t>10/17/2018</a:t>
             </a:fld>
             <a:endParaRPr lang="en-US" dirty="0"/>
           </a:p>
@@ -3297,7 +3297,7 @@
             <a:fld id="{87DE6118-2437-4B30-8E3C-4D2BE6020583}" type="datetimeFigureOut">
               <a:rPr lang="en-US" dirty="0"/>
               <a:pPr/>
-              <a:t>10/15/2018</a:t>
+              <a:t>10/17/2018</a:t>
             </a:fld>
             <a:endParaRPr lang="en-US" dirty="0"/>
           </a:p>
@@ -5358,14 +5358,6 @@
             </a:r>
             <a:r>
               <a:rPr lang="ko-KR" altLang="en-US" dirty="0"/>
-              <a:t>버스 노선들의 일일 총 운행 수의 합</a:t>
-            </a:r>
-            <a:r>
-              <a:rPr lang="en-US" altLang="ko-KR" dirty="0"/>
-              <a:t>) / (</a:t>
-            </a:r>
-            <a:r>
-              <a:rPr lang="ko-KR" altLang="en-US" dirty="0"/>
               <a:t>정류소 사이의 직선거리</a:t>
             </a:r>
             <a:r>
@@ -5376,7 +5368,18 @@
               <a:rPr lang="ko-KR" altLang="en-US" dirty="0"/>
               <a:t> </a:t>
             </a:r>
-            <a:endParaRPr lang="en-US" altLang="ko-KR" dirty="0"/>
+            <a:r>
+              <a:rPr lang="en-US" altLang="ko-KR" dirty="0"/>
+              <a:t>/ (</a:t>
+            </a:r>
+            <a:r>
+              <a:rPr lang="ko-KR" altLang="en-US" dirty="0"/>
+              <a:t>버스 노선들의 일일 총 운행 수의 합</a:t>
+            </a:r>
+            <a:r>
+              <a:rPr lang="en-US" altLang="ko-KR" dirty="0"/>
+              <a:t>)</a:t>
+            </a:r>
           </a:p>
           <a:p>
             <a:pPr lvl="1"/>
@@ -6561,6 +6564,29 @@
           <a:p>
             <a:r>
               <a:rPr lang="ko-KR" altLang="en-US" dirty="0"/>
+              <a:t>버스노선들의 문제</a:t>
+            </a:r>
+            <a:endParaRPr lang="en-US" altLang="ko-KR" dirty="0"/>
+          </a:p>
+          <a:p>
+            <a:pPr lvl="1"/>
+            <a:r>
+              <a:rPr lang="ko-KR" altLang="en-US" i="0" dirty="0"/>
+              <a:t>생각보다 끊어진 버스 노선들이 많다</a:t>
+            </a:r>
+            <a:endParaRPr lang="en-US" altLang="ko-KR" i="0" dirty="0"/>
+          </a:p>
+          <a:p>
+            <a:pPr lvl="1"/>
+            <a:r>
+              <a:rPr lang="ko-KR" altLang="en-US" i="0" dirty="0"/>
+              <a:t>연결되어 있는 경로가 예상외로 적다</a:t>
+            </a:r>
+            <a:endParaRPr lang="en-US" altLang="ko-KR" i="0" dirty="0"/>
+          </a:p>
+          <a:p>
+            <a:r>
+              <a:rPr lang="ko-KR" altLang="en-US" dirty="0"/>
               <a:t>예상외로 많은 데이터 예외 값들 존재</a:t>
             </a:r>
             <a:endParaRPr lang="en-US" altLang="ko-KR" dirty="0"/>
@@ -6665,33 +6691,6 @@
             <a:r>
               <a:rPr lang="ko-KR" altLang="en-US" i="0" dirty="0"/>
               <a:t>코드 변경 이라는 번거로운 작업 다수 존재</a:t>
-            </a:r>
-            <a:endParaRPr lang="en-US" altLang="ko-KR" i="0" dirty="0"/>
-          </a:p>
-          <a:p>
-            <a:r>
-              <a:rPr lang="en-US" altLang="ko-KR" i="0" dirty="0"/>
-              <a:t>API</a:t>
-            </a:r>
-            <a:r>
-              <a:rPr lang="ko-KR" altLang="en-US" dirty="0"/>
-              <a:t> 사용의 어려움</a:t>
-            </a:r>
-            <a:endParaRPr lang="en-US" altLang="ko-KR" dirty="0"/>
-          </a:p>
-          <a:p>
-            <a:pPr lvl="1"/>
-            <a:r>
-              <a:rPr lang="ko-KR" altLang="en-US" i="0" dirty="0"/>
-              <a:t>다소 난해한 기본 설정들 다수 존재</a:t>
-            </a:r>
-            <a:endParaRPr lang="en-US" altLang="ko-KR" i="0" dirty="0"/>
-          </a:p>
-          <a:p>
-            <a:pPr lvl="1"/>
-            <a:r>
-              <a:rPr lang="ko-KR" altLang="en-US" i="0" dirty="0"/>
-              <a:t>익숙하지 않은 언어 자체의 어려움</a:t>
             </a:r>
             <a:endParaRPr lang="en-US" altLang="ko-KR" i="0" dirty="0"/>
           </a:p>
